--- a/Presentation.pptx
+++ b/Presentation.pptx
@@ -11987,7 +11987,7 @@
                   <a:schemeClr val="bg1"/>
                 </a:solidFill>
               </a:rPr>
-              <a:t>Testing Accuracy : 96.20%</a:t>
+              <a:t>Testing Accuracy : 97.20%</a:t>
             </a:r>
             <a:endParaRPr lang="en-GB" sz="2000" dirty="0">
               <a:solidFill>
